--- a/proj/multiconnection/src/01-layering.pptx
+++ b/proj/multiconnection/src/01-layering.pptx
@@ -219,7 +219,7 @@
           <a:p>
             <a:fld id="{56C6788E-680A-49E5-BB93-D456A9D23A29}" type="datetimeFigureOut">
               <a:rPr lang="ru-RU" smtClean="0"/>
-              <a:t>11.11.2024</a:t>
+              <a:t>23.10.2025</a:t>
             </a:fld>
             <a:endParaRPr lang="ru-RU"/>
           </a:p>
@@ -388,7 +388,7 @@
           <a:p>
             <a:fld id="{C4DF4945-C160-4CD5-B124-49B9BE14C0AB}" type="datetimeFigureOut">
               <a:rPr lang="ru-RU" smtClean="0"/>
-              <a:t>11.11.2024</a:t>
+              <a:t>23.10.2025</a:t>
             </a:fld>
             <a:endParaRPr lang="ru-RU"/>
           </a:p>
@@ -2934,7 +2934,7 @@
           <a:p>
             <a:fld id="{12C63722-5D9F-4E99-9720-9B6A0C7BB1C9}" type="datetimeFigureOut">
               <a:rPr lang="ru-RU" smtClean="0"/>
-              <a:t>11.11.2024</a:t>
+              <a:t>23.10.2025</a:t>
             </a:fld>
             <a:endParaRPr lang="ru-RU"/>
           </a:p>
@@ -3104,7 +3104,7 @@
           <a:p>
             <a:fld id="{12C63722-5D9F-4E99-9720-9B6A0C7BB1C9}" type="datetimeFigureOut">
               <a:rPr lang="ru-RU" smtClean="0"/>
-              <a:t>11.11.2024</a:t>
+              <a:t>23.10.2025</a:t>
             </a:fld>
             <a:endParaRPr lang="ru-RU"/>
           </a:p>
@@ -3284,7 +3284,7 @@
           <a:p>
             <a:fld id="{12C63722-5D9F-4E99-9720-9B6A0C7BB1C9}" type="datetimeFigureOut">
               <a:rPr lang="ru-RU" smtClean="0"/>
-              <a:t>11.11.2024</a:t>
+              <a:t>23.10.2025</a:t>
             </a:fld>
             <a:endParaRPr lang="ru-RU"/>
           </a:p>
@@ -3476,7 +3476,7 @@
           <a:p>
             <a:fld id="{8C218C88-2408-4CFC-B25C-07450930B282}" type="datetimeFigureOut">
               <a:rPr lang="ru-RU" smtClean="0"/>
-              <a:t>11.11.2024</a:t>
+              <a:t>23.10.2025</a:t>
             </a:fld>
             <a:endParaRPr lang="ru-RU"/>
           </a:p>
@@ -3646,7 +3646,7 @@
           <a:p>
             <a:fld id="{8C218C88-2408-4CFC-B25C-07450930B282}" type="datetimeFigureOut">
               <a:rPr lang="ru-RU" smtClean="0"/>
-              <a:t>11.11.2024</a:t>
+              <a:t>23.10.2025</a:t>
             </a:fld>
             <a:endParaRPr lang="ru-RU"/>
           </a:p>
@@ -3892,7 +3892,7 @@
           <a:p>
             <a:fld id="{8C218C88-2408-4CFC-B25C-07450930B282}" type="datetimeFigureOut">
               <a:rPr lang="ru-RU" smtClean="0"/>
-              <a:t>11.11.2024</a:t>
+              <a:t>23.10.2025</a:t>
             </a:fld>
             <a:endParaRPr lang="ru-RU"/>
           </a:p>
@@ -4124,7 +4124,7 @@
           <a:p>
             <a:fld id="{8C218C88-2408-4CFC-B25C-07450930B282}" type="datetimeFigureOut">
               <a:rPr lang="ru-RU" smtClean="0"/>
-              <a:t>11.11.2024</a:t>
+              <a:t>23.10.2025</a:t>
             </a:fld>
             <a:endParaRPr lang="ru-RU"/>
           </a:p>
@@ -4491,7 +4491,7 @@
           <a:p>
             <a:fld id="{8C218C88-2408-4CFC-B25C-07450930B282}" type="datetimeFigureOut">
               <a:rPr lang="ru-RU" smtClean="0"/>
-              <a:t>11.11.2024</a:t>
+              <a:t>23.10.2025</a:t>
             </a:fld>
             <a:endParaRPr lang="ru-RU"/>
           </a:p>
@@ -4609,7 +4609,7 @@
           <a:p>
             <a:fld id="{8C218C88-2408-4CFC-B25C-07450930B282}" type="datetimeFigureOut">
               <a:rPr lang="ru-RU" smtClean="0"/>
-              <a:t>11.11.2024</a:t>
+              <a:t>23.10.2025</a:t>
             </a:fld>
             <a:endParaRPr lang="ru-RU"/>
           </a:p>
@@ -4704,7 +4704,7 @@
           <a:p>
             <a:fld id="{8C218C88-2408-4CFC-B25C-07450930B282}" type="datetimeFigureOut">
               <a:rPr lang="ru-RU" smtClean="0"/>
-              <a:t>11.11.2024</a:t>
+              <a:t>23.10.2025</a:t>
             </a:fld>
             <a:endParaRPr lang="ru-RU"/>
           </a:p>
@@ -4981,7 +4981,7 @@
           <a:p>
             <a:fld id="{8C218C88-2408-4CFC-B25C-07450930B282}" type="datetimeFigureOut">
               <a:rPr lang="ru-RU" smtClean="0"/>
-              <a:t>11.11.2024</a:t>
+              <a:t>23.10.2025</a:t>
             </a:fld>
             <a:endParaRPr lang="ru-RU"/>
           </a:p>
@@ -5151,7 +5151,7 @@
           <a:p>
             <a:fld id="{12C63722-5D9F-4E99-9720-9B6A0C7BB1C9}" type="datetimeFigureOut">
               <a:rPr lang="ru-RU" smtClean="0"/>
-              <a:t>11.11.2024</a:t>
+              <a:t>23.10.2025</a:t>
             </a:fld>
             <a:endParaRPr lang="ru-RU"/>
           </a:p>
@@ -5404,7 +5404,7 @@
           <a:p>
             <a:fld id="{8C218C88-2408-4CFC-B25C-07450930B282}" type="datetimeFigureOut">
               <a:rPr lang="ru-RU" smtClean="0"/>
-              <a:t>11.11.2024</a:t>
+              <a:t>23.10.2025</a:t>
             </a:fld>
             <a:endParaRPr lang="ru-RU"/>
           </a:p>
@@ -5574,7 +5574,7 @@
           <a:p>
             <a:fld id="{8C218C88-2408-4CFC-B25C-07450930B282}" type="datetimeFigureOut">
               <a:rPr lang="ru-RU" smtClean="0"/>
-              <a:t>11.11.2024</a:t>
+              <a:t>23.10.2025</a:t>
             </a:fld>
             <a:endParaRPr lang="ru-RU"/>
           </a:p>
@@ -5754,7 +5754,7 @@
           <a:p>
             <a:fld id="{8C218C88-2408-4CFC-B25C-07450930B282}" type="datetimeFigureOut">
               <a:rPr lang="ru-RU" smtClean="0"/>
-              <a:t>11.11.2024</a:t>
+              <a:t>23.10.2025</a:t>
             </a:fld>
             <a:endParaRPr lang="ru-RU"/>
           </a:p>
@@ -6000,7 +6000,7 @@
           <a:p>
             <a:fld id="{12C63722-5D9F-4E99-9720-9B6A0C7BB1C9}" type="datetimeFigureOut">
               <a:rPr lang="ru-RU" smtClean="0"/>
-              <a:t>11.11.2024</a:t>
+              <a:t>23.10.2025</a:t>
             </a:fld>
             <a:endParaRPr lang="ru-RU"/>
           </a:p>
@@ -6240,7 +6240,7 @@
           <a:p>
             <a:fld id="{12C63722-5D9F-4E99-9720-9B6A0C7BB1C9}" type="datetimeFigureOut">
               <a:rPr lang="ru-RU" smtClean="0"/>
-              <a:t>11.11.2024</a:t>
+              <a:t>23.10.2025</a:t>
             </a:fld>
             <a:endParaRPr lang="ru-RU"/>
           </a:p>
@@ -6607,7 +6607,7 @@
           <a:p>
             <a:fld id="{12C63722-5D9F-4E99-9720-9B6A0C7BB1C9}" type="datetimeFigureOut">
               <a:rPr lang="ru-RU" smtClean="0"/>
-              <a:t>11.11.2024</a:t>
+              <a:t>23.10.2025</a:t>
             </a:fld>
             <a:endParaRPr lang="ru-RU"/>
           </a:p>
@@ -6725,7 +6725,7 @@
           <a:p>
             <a:fld id="{12C63722-5D9F-4E99-9720-9B6A0C7BB1C9}" type="datetimeFigureOut">
               <a:rPr lang="ru-RU" smtClean="0"/>
-              <a:t>11.11.2024</a:t>
+              <a:t>23.10.2025</a:t>
             </a:fld>
             <a:endParaRPr lang="ru-RU"/>
           </a:p>
@@ -6820,7 +6820,7 @@
           <a:p>
             <a:fld id="{12C63722-5D9F-4E99-9720-9B6A0C7BB1C9}" type="datetimeFigureOut">
               <a:rPr lang="ru-RU" smtClean="0"/>
-              <a:t>11.11.2024</a:t>
+              <a:t>23.10.2025</a:t>
             </a:fld>
             <a:endParaRPr lang="ru-RU"/>
           </a:p>
@@ -7097,7 +7097,7 @@
           <a:p>
             <a:fld id="{12C63722-5D9F-4E99-9720-9B6A0C7BB1C9}" type="datetimeFigureOut">
               <a:rPr lang="ru-RU" smtClean="0"/>
-              <a:t>11.11.2024</a:t>
+              <a:t>23.10.2025</a:t>
             </a:fld>
             <a:endParaRPr lang="ru-RU"/>
           </a:p>
@@ -7350,7 +7350,7 @@
           <a:p>
             <a:fld id="{12C63722-5D9F-4E99-9720-9B6A0C7BB1C9}" type="datetimeFigureOut">
               <a:rPr lang="ru-RU" smtClean="0"/>
-              <a:t>11.11.2024</a:t>
+              <a:t>23.10.2025</a:t>
             </a:fld>
             <a:endParaRPr lang="ru-RU"/>
           </a:p>
@@ -7563,7 +7563,7 @@
           <a:p>
             <a:fld id="{12C63722-5D9F-4E99-9720-9B6A0C7BB1C9}" type="datetimeFigureOut">
               <a:rPr lang="ru-RU" smtClean="0"/>
-              <a:t>11.11.2024</a:t>
+              <a:t>23.10.2025</a:t>
             </a:fld>
             <a:endParaRPr lang="ru-RU"/>
           </a:p>
@@ -8103,7 +8103,7 @@
           <a:p>
             <a:fld id="{8C218C88-2408-4CFC-B25C-07450930B282}" type="datetimeFigureOut">
               <a:rPr lang="ru-RU" smtClean="0"/>
-              <a:t>11.11.2024</a:t>
+              <a:t>23.10.2025</a:t>
             </a:fld>
             <a:endParaRPr lang="ru-RU"/>
           </a:p>
@@ -11853,7 +11853,29 @@
                   </a:schemeClr>
                 </a:solidFill>
               </a:rPr>
-              <a:t>Collect buffers provided to WriteAt() into a scatter-gather buffer.</a:t>
+              <a:t>Collect buffers provided to </a:t>
+            </a:r>
+            <a:r>
+              <a:rPr lang="en-CY" dirty="0">
+                <a:solidFill>
+                  <a:schemeClr val="bg1">
+                    <a:lumMod val="75000"/>
+                  </a:schemeClr>
+                </a:solidFill>
+                <a:latin typeface="Consolas" panose="020B0609020204030204" pitchFamily="49" charset="0"/>
+                <a:cs typeface="Consolas" panose="020B0609020204030204" pitchFamily="49" charset="0"/>
+              </a:rPr>
+              <a:t>WriteAt()</a:t>
+            </a:r>
+            <a:r>
+              <a:rPr lang="en-CY" dirty="0">
+                <a:solidFill>
+                  <a:schemeClr val="bg1">
+                    <a:lumMod val="75000"/>
+                  </a:schemeClr>
+                </a:solidFill>
+              </a:rPr>
+              <a:t> into a scatter-gather buffer.</a:t>
             </a:r>
           </a:p>
           <a:p>
